--- a/web/src/main/resources/Java内存优化分享.pptx
+++ b/web/src/main/resources/Java内存优化分享.pptx
@@ -11,6 +11,7 @@
     <p:sldId id="258" r:id="rId5"/>
     <p:sldId id="259" r:id="rId6"/>
     <p:sldId id="260" r:id="rId7"/>
+    <p:sldId id="262" r:id="rId8"/>
   </p:sldIdLst>
   <p:sldSz cx="12192000" cy="6858000"/>
   <p:notesSz cx="6858000" cy="9144000"/>
@@ -3027,7 +3028,7 @@
               <a:rPr lang="zh-CN" altLang="en-US" dirty="0" smtClean="0"/>
               <a:t>对象优化</a:t>
             </a:r>
-            <a:endParaRPr lang="en-US" altLang="zh-CN" smtClean="0"/>
+            <a:endParaRPr lang="en-US" altLang="zh-CN" dirty="0" smtClean="0"/>
           </a:p>
           <a:p>
             <a:endParaRPr lang="en-US" altLang="zh-CN" dirty="0" smtClean="0"/>
@@ -3587,7 +3588,7 @@
                   <a:schemeClr val="accent2"/>
                 </a:solidFill>
               </a:rPr>
-              <a:t>减少指针</a:t>
+              <a:t>基本数据类型集合的自动装箱</a:t>
             </a:r>
             <a:endParaRPr lang="zh-CN" altLang="en-US" dirty="0">
               <a:solidFill>
@@ -3597,29 +3598,108 @@
           </a:p>
         </p:txBody>
       </p:sp>
-      <p:sp>
-        <p:nvSpPr>
-          <p:cNvPr id="3" name="内容占位符 2"/>
-          <p:cNvSpPr>
-            <a:spLocks noGrp="1"/>
-          </p:cNvSpPr>
-          <p:nvPr>
-            <p:ph idx="1"/>
-          </p:nvPr>
-        </p:nvSpPr>
-        <p:spPr/>
-        <p:txBody>
-          <a:bodyPr/>
-          <a:lstStyle/>
-          <a:p>
-            <a:endParaRPr lang="zh-CN" altLang="en-US" dirty="0"/>
-          </a:p>
-        </p:txBody>
-      </p:sp>
+      <p:pic>
+        <p:nvPicPr>
+          <p:cNvPr id="5" name="图片 4"/>
+          <p:cNvPicPr>
+            <a:picLocks noChangeAspect="1"/>
+          </p:cNvPicPr>
+          <p:nvPr/>
+        </p:nvPicPr>
+        <p:blipFill>
+          <a:blip r:embed="rId2">
+            <a:extLst>
+              <a:ext uri="{28A0092B-C50C-407E-A947-70E740481C1C}">
+                <a14:useLocalDpi xmlns:a14="http://schemas.microsoft.com/office/drawing/2010/main" val="0"/>
+              </a:ext>
+            </a:extLst>
+          </a:blip>
+          <a:stretch>
+            <a:fillRect/>
+          </a:stretch>
+        </p:blipFill>
+        <p:spPr>
+          <a:xfrm>
+            <a:off x="1036319" y="1335849"/>
+            <a:ext cx="7122173" cy="5522151"/>
+          </a:xfrm>
+          <a:prstGeom prst="rect">
+            <a:avLst/>
+          </a:prstGeom>
+        </p:spPr>
+      </p:pic>
     </p:spTree>
     <p:extLst>
       <p:ext uri="{BB962C8B-B14F-4D97-AF65-F5344CB8AC3E}">
         <p14:creationId xmlns:p14="http://schemas.microsoft.com/office/powerpoint/2010/main" val="2640347013"/>
+      </p:ext>
+    </p:extLst>
+  </p:cSld>
+  <p:clrMapOvr>
+    <a:masterClrMapping/>
+  </p:clrMapOvr>
+</p:sld>
+</file>
+
+<file path=ppt/slides/slide7.xml><?xml version="1.0" encoding="utf-8"?>
+<p:sld xmlns:a="http://schemas.openxmlformats.org/drawingml/2006/main" xmlns:r="http://schemas.openxmlformats.org/officeDocument/2006/relationships" xmlns:p="http://schemas.openxmlformats.org/presentationml/2006/main">
+  <p:cSld>
+    <p:spTree>
+      <p:nvGrpSpPr>
+        <p:cNvPr id="1" name=""/>
+        <p:cNvGrpSpPr/>
+        <p:nvPr/>
+      </p:nvGrpSpPr>
+      <p:grpSpPr>
+        <a:xfrm>
+          <a:off x="0" y="0"/>
+          <a:ext cx="0" cy="0"/>
+          <a:chOff x="0" y="0"/>
+          <a:chExt cx="0" cy="0"/>
+        </a:xfrm>
+      </p:grpSpPr>
+      <p:sp>
+        <p:nvSpPr>
+          <p:cNvPr id="2" name="标题 1"/>
+          <p:cNvSpPr>
+            <a:spLocks noGrp="1"/>
+          </p:cNvSpPr>
+          <p:nvPr>
+            <p:ph type="title"/>
+          </p:nvPr>
+        </p:nvSpPr>
+        <p:spPr/>
+        <p:txBody>
+          <a:bodyPr/>
+          <a:lstStyle/>
+          <a:p>
+            <a:endParaRPr lang="zh-CN" altLang="en-US" dirty="0"/>
+          </a:p>
+        </p:txBody>
+      </p:sp>
+      <p:sp>
+        <p:nvSpPr>
+          <p:cNvPr id="3" name="内容占位符 2"/>
+          <p:cNvSpPr>
+            <a:spLocks noGrp="1"/>
+          </p:cNvSpPr>
+          <p:nvPr>
+            <p:ph idx="1"/>
+          </p:nvPr>
+        </p:nvSpPr>
+        <p:spPr/>
+        <p:txBody>
+          <a:bodyPr/>
+          <a:lstStyle/>
+          <a:p>
+            <a:endParaRPr lang="zh-CN" altLang="en-US" dirty="0"/>
+          </a:p>
+        </p:txBody>
+      </p:sp>
+    </p:spTree>
+    <p:extLst>
+      <p:ext uri="{BB962C8B-B14F-4D97-AF65-F5344CB8AC3E}">
+        <p14:creationId xmlns:p14="http://schemas.microsoft.com/office/powerpoint/2010/main" val="407048024"/>
       </p:ext>
     </p:extLst>
   </p:cSld>

--- a/web/src/main/resources/Java内存优化分享.pptx
+++ b/web/src/main/resources/Java内存优化分享.pptx
@@ -27,7 +27,8 @@
     <p:sldId id="301" r:id="rId20"/>
     <p:sldId id="314" r:id="rId21"/>
     <p:sldId id="306" r:id="rId22"/>
-    <p:sldId id="315" r:id="rId23"/>
+    <p:sldId id="339" r:id="rId23"/>
+    <p:sldId id="341" r:id="rId24"/>
   </p:sldIdLst>
   <p:sldSz cx="12192000" cy="6858000"/>
   <p:notesSz cx="6858000" cy="9144000"/>
@@ -21592,7 +21593,12 @@
             </p:custDataLst>
           </p:nvPr>
         </p:nvSpPr>
-        <p:spPr/>
+        <p:spPr>
+          <a:xfrm>
+            <a:off x="6497361" y="3719525"/>
+            <a:ext cx="5415002" cy="950984"/>
+          </a:xfrm>
+        </p:spPr>
         <p:txBody>
           <a:bodyPr/>
           <a:lstStyle/>
@@ -31502,7 +31508,7 @@
       </p:grpSpPr>
       <p:sp>
         <p:nvSpPr>
-          <p:cNvPr id="11" name="矩形 10"/>
+          <p:cNvPr id="19" name="矩形 18"/>
           <p:cNvSpPr/>
           <p:nvPr userDrawn="1">
             <p:custDataLst>
@@ -31563,7 +31569,6 @@
           <a:bodyPr wrap="square" rtlCol="0" anchor="ctr">
             <a:normAutofit/>
           </a:bodyPr>
-          <a:lstStyle/>
           <a:p>
             <a:pPr algn="ctr"/>
             <a:endParaRPr lang="zh-CN" altLang="en-US">
@@ -31578,7 +31583,7 @@
       </p:sp>
       <p:pic>
         <p:nvPicPr>
-          <p:cNvPr id="10" name="图片 9"/>
+          <p:cNvPr id="18" name="图片 17"/>
           <p:cNvPicPr/>
           <p:nvPr userDrawn="1">
             <p:custDataLst>
@@ -31604,7 +31609,7 @@
       </p:pic>
       <p:pic>
         <p:nvPicPr>
-          <p:cNvPr id="9" name="图片 8"/>
+          <p:cNvPr id="17" name="图片 16"/>
           <p:cNvPicPr/>
           <p:nvPr userDrawn="1">
             <p:custDataLst>
@@ -31630,7 +31635,7 @@
       </p:pic>
       <p:sp>
         <p:nvSpPr>
-          <p:cNvPr id="14" name="矩形 13"/>
+          <p:cNvPr id="3" name="矩形 2"/>
           <p:cNvSpPr/>
           <p:nvPr>
             <p:custDataLst>
@@ -31678,7 +31683,6 @@
         </p:style>
         <p:txBody>
           <a:bodyPr rtlCol="0" anchor="ctr"/>
-          <a:lstStyle/>
           <a:p>
             <a:pPr algn="ctr"/>
             <a:endParaRPr kumimoji="1" lang="zh-CN" altLang="en-US" sz="1600" b="1">
@@ -31693,7 +31697,7 @@
       </p:sp>
       <p:sp>
         <p:nvSpPr>
-          <p:cNvPr id="4" name="Title 6"/>
+          <p:cNvPr id="8" name="Title 6"/>
           <p:cNvSpPr txBox="1"/>
           <p:nvPr>
             <p:custDataLst>
@@ -31772,71 +31776,9 @@
                 <a:ea typeface="微软雅黑" panose="020B0503020204020204" charset="-122"/>
                 <a:cs typeface="微软雅黑" panose="020B0503020204020204" charset="-122"/>
               </a:rPr>
-              <a:t>数据优化:批量字符串</a:t>
-            </a:r>
-            <a:r>
-              <a:rPr kumimoji="0" altLang="zh-CN" sz="2800" b="1" i="0" spc="300" noProof="0" dirty="0">
-                <a:ln w="3175">
-                  <a:noFill/>
-                  <a:prstDash val="dash"/>
-                </a:ln>
-                <a:solidFill>
-                  <a:srgbClr val="404040"/>
-                </a:solidFill>
-                <a:effectLst/>
-                <a:latin typeface="微软雅黑" panose="020B0503020204020204" charset="-122"/>
-                <a:ea typeface="微软雅黑" panose="020B0503020204020204" charset="-122"/>
-                <a:cs typeface="微软雅黑" panose="020B0503020204020204" charset="-122"/>
-              </a:rPr>
-              <a:t>+</a:t>
-            </a:r>
-            <a:r>
-              <a:rPr lang="zh-CN" altLang="en-US" sz="2800" b="1" spc="300" noProof="0">
-                <a:ln w="3175">
-                  <a:noFill/>
-                  <a:prstDash val="dash"/>
-                </a:ln>
-                <a:solidFill>
-                  <a:srgbClr val="404040"/>
-                </a:solidFill>
-                <a:latin typeface="微软雅黑" panose="020B0503020204020204" charset="-122"/>
-                <a:ea typeface="微软雅黑" panose="020B0503020204020204" charset="-122"/>
-                <a:cs typeface="微软雅黑" panose="020B0503020204020204" charset="-122"/>
-                <a:sym typeface="+mn-ea"/>
-              </a:rPr>
-              <a:t>快速定位</a:t>
+              <a:t>数据优化:批量字符串+快速定位</a:t>
             </a:r>
             <a:endParaRPr kumimoji="0" lang="zh-CN" altLang="en-US" sz="2800" b="1" i="0" spc="300" noProof="0" dirty="0">
-              <a:ln w="3175">
-                <a:noFill/>
-                <a:prstDash val="dash"/>
-              </a:ln>
-              <a:solidFill>
-                <a:srgbClr val="404040"/>
-              </a:solidFill>
-              <a:effectLst/>
-              <a:latin typeface="微软雅黑" panose="020B0503020204020204" charset="-122"/>
-              <a:ea typeface="微软雅黑" panose="020B0503020204020204" charset="-122"/>
-              <a:cs typeface="微软雅黑" panose="020B0503020204020204" charset="-122"/>
-            </a:endParaRPr>
-          </a:p>
-          <a:p>
-            <a:pPr marL="0" marR="0" lvl="0" indent="0" algn="l" defTabSz="913765" rtl="0" eaLnBrk="1" fontAlgn="auto" latinLnBrk="0" hangingPunct="1">
-              <a:lnSpc>
-                <a:spcPct val="100000"/>
-              </a:lnSpc>
-              <a:spcBef>
-                <a:spcPts val="0"/>
-              </a:spcBef>
-              <a:spcAft>
-                <a:spcPts val="800"/>
-              </a:spcAft>
-              <a:buSzPct val="100000"/>
-              <a:buFontTx/>
-              <a:buNone/>
-              <a:defRPr/>
-            </a:pPr>
-            <a:endParaRPr kumimoji="0" altLang="zh-CN" sz="2800" b="1" i="0" spc="300" noProof="0" dirty="0">
               <a:ln w="3175">
                 <a:noFill/>
                 <a:prstDash val="dash"/>
@@ -31854,7 +31796,7 @@
       </p:sp>
       <p:grpSp>
         <p:nvGrpSpPr>
-          <p:cNvPr id="5" name="组合 4"/>
+          <p:cNvPr id="12" name="组合 11"/>
           <p:cNvGrpSpPr/>
           <p:nvPr>
             <p:custDataLst>
@@ -31872,7 +31814,7 @@
         </p:grpSpPr>
         <p:cxnSp>
           <p:nvCxnSpPr>
-            <p:cNvPr id="6" name="直接连接符 5"/>
+            <p:cNvPr id="13" name="直接连接符 12"/>
             <p:cNvCxnSpPr/>
             <p:nvPr>
               <p:custDataLst>
@@ -31911,7 +31853,7 @@
         </p:cxnSp>
         <p:cxnSp>
           <p:nvCxnSpPr>
-            <p:cNvPr id="7" name="直接连接符 6"/>
+            <p:cNvPr id="15" name="直接连接符 14"/>
             <p:cNvCxnSpPr/>
             <p:nvPr>
               <p:custDataLst>
@@ -31951,7 +31893,7 @@
       </p:grpSp>
       <p:pic>
         <p:nvPicPr>
-          <p:cNvPr id="8" name="图片 7" descr="C:\Users\kingsoft\Pictures\风景\fog-foggy-forest-4827.jpgfog-foggy-forest-4827"/>
+          <p:cNvPr id="16" name="图片 15" descr="C:\Users\kingsoft\Pictures\风景\fog-foggy-forest-4827.jpgfog-foggy-forest-4827"/>
           <p:cNvPicPr>
             <a:picLocks noChangeAspect="1"/>
           </p:cNvPicPr>
@@ -31970,8 +31912,8 @@
         </p:blipFill>
         <p:spPr>
           <a:xfrm>
-            <a:off x="1100914" y="1627765"/>
-            <a:ext cx="10013442" cy="4316400"/>
+            <a:off x="621279" y="1817250"/>
+            <a:ext cx="10972710" cy="3937430"/>
           </a:xfrm>
           <a:prstGeom prst="rect">
             <a:avLst/>
@@ -32834,6 +32776,741 @@
     </p:spTree>
     <p:custDataLst>
       <p:tags r:id="rId21"/>
+    </p:custDataLst>
+  </p:cSld>
+  <p:clrMapOvr>
+    <a:masterClrMapping/>
+  </p:clrMapOvr>
+</p:sld>
+</file>
+
+<file path=ppt/slides/slide20.xml><?xml version="1.0" encoding="utf-8"?>
+<p:sld xmlns:a="http://schemas.openxmlformats.org/drawingml/2006/main" xmlns:r="http://schemas.openxmlformats.org/officeDocument/2006/relationships" xmlns:p="http://schemas.openxmlformats.org/presentationml/2006/main">
+  <p:cSld>
+    <p:bg>
+      <p:bgPr>
+        <a:solidFill>
+          <a:schemeClr val="bg2"/>
+        </a:solidFill>
+        <a:effectLst/>
+      </p:bgPr>
+    </p:bg>
+    <p:spTree>
+      <p:nvGrpSpPr>
+        <p:cNvPr id="1" name=""/>
+        <p:cNvGrpSpPr/>
+        <p:nvPr/>
+      </p:nvGrpSpPr>
+      <p:grpSpPr/>
+      <p:pic>
+        <p:nvPicPr>
+          <p:cNvPr id="7" name="图片 6"/>
+          <p:cNvPicPr/>
+          <p:nvPr userDrawn="1">
+            <p:custDataLst>
+              <p:tags r:id="rId1"/>
+            </p:custDataLst>
+          </p:nvPr>
+        </p:nvPicPr>
+        <p:blipFill>
+          <a:blip r:embed="rId2" r:link="rId3" cstate="email"/>
+          <a:stretch>
+            <a:fillRect/>
+          </a:stretch>
+        </p:blipFill>
+        <p:spPr>
+          <a:xfrm>
+            <a:off x="0" y="0"/>
+            <a:ext cx="720090" cy="720090"/>
+          </a:xfrm>
+          <a:prstGeom prst="rect">
+            <a:avLst/>
+          </a:prstGeom>
+        </p:spPr>
+      </p:pic>
+      <p:pic>
+        <p:nvPicPr>
+          <p:cNvPr id="6" name="图片 5"/>
+          <p:cNvPicPr/>
+          <p:nvPr userDrawn="1">
+            <p:custDataLst>
+              <p:tags r:id="rId4"/>
+            </p:custDataLst>
+          </p:nvPr>
+        </p:nvPicPr>
+        <p:blipFill>
+          <a:blip r:embed="rId5" r:link="rId6" cstate="email"/>
+          <a:stretch>
+            <a:fillRect/>
+          </a:stretch>
+        </p:blipFill>
+        <p:spPr>
+          <a:xfrm>
+            <a:off x="11471910" y="0"/>
+            <a:ext cx="720090" cy="720090"/>
+          </a:xfrm>
+          <a:prstGeom prst="rect">
+            <a:avLst/>
+          </a:prstGeom>
+        </p:spPr>
+      </p:pic>
+      <p:sp>
+        <p:nvSpPr>
+          <p:cNvPr id="14" name="任意多边形 13"/>
+          <p:cNvSpPr/>
+          <p:nvPr>
+            <p:custDataLst>
+              <p:tags r:id="rId7"/>
+            </p:custDataLst>
+          </p:nvPr>
+        </p:nvSpPr>
+        <p:spPr>
+          <a:xfrm rot="19743805">
+            <a:off x="2352675" y="2416175"/>
+            <a:ext cx="207010" cy="669925"/>
+          </a:xfrm>
+          <a:custGeom>
+            <a:avLst/>
+            <a:gdLst>
+              <a:gd name="connsiteX0" fmla="*/ 128434 w 128434"/>
+              <a:gd name="connsiteY0" fmla="*/ 64576 h 416103"/>
+              <a:gd name="connsiteX1" fmla="*/ 128434 w 128434"/>
+              <a:gd name="connsiteY1" fmla="*/ 416103 h 416103"/>
+              <a:gd name="connsiteX2" fmla="*/ 0 w 128434"/>
+              <a:gd name="connsiteY2" fmla="*/ 339125 h 416103"/>
+              <a:gd name="connsiteX3" fmla="*/ 0 w 128434"/>
+              <a:gd name="connsiteY3" fmla="*/ 0 h 416103"/>
+            </a:gdLst>
+            <a:ahLst/>
+            <a:cxnLst>
+              <a:cxn ang="0">
+                <a:pos x="connsiteX0" y="connsiteY0"/>
+              </a:cxn>
+              <a:cxn ang="0">
+                <a:pos x="connsiteX1" y="connsiteY1"/>
+              </a:cxn>
+              <a:cxn ang="0">
+                <a:pos x="connsiteX2" y="connsiteY2"/>
+              </a:cxn>
+              <a:cxn ang="0">
+                <a:pos x="connsiteX3" y="connsiteY3"/>
+              </a:cxn>
+            </a:cxnLst>
+            <a:rect l="l" t="t" r="r" b="b"/>
+            <a:pathLst>
+              <a:path w="128434" h="416103">
+                <a:moveTo>
+                  <a:pt x="128434" y="64576"/>
+                </a:moveTo>
+                <a:lnTo>
+                  <a:pt x="128434" y="416103"/>
+                </a:lnTo>
+                <a:lnTo>
+                  <a:pt x="0" y="339125"/>
+                </a:lnTo>
+                <a:lnTo>
+                  <a:pt x="0" y="0"/>
+                </a:lnTo>
+                <a:close/>
+              </a:path>
+            </a:pathLst>
+          </a:custGeom>
+          <a:solidFill>
+            <a:srgbClr val="000000"/>
+          </a:solidFill>
+          <a:ln>
+            <a:noFill/>
+          </a:ln>
+        </p:spPr>
+        <p:style>
+          <a:lnRef idx="2">
+            <a:schemeClr val="accent1">
+              <a:shade val="50000"/>
+            </a:schemeClr>
+          </a:lnRef>
+          <a:fillRef idx="1">
+            <a:schemeClr val="accent1"/>
+          </a:fillRef>
+          <a:effectRef idx="0">
+            <a:schemeClr val="accent1"/>
+          </a:effectRef>
+          <a:fontRef idx="minor">
+            <a:schemeClr val="lt1"/>
+          </a:fontRef>
+        </p:style>
+        <p:txBody>
+          <a:bodyPr lIns="90000" tIns="46800" rIns="90000" bIns="46800" rtlCol="0" anchor="ctr">
+            <a:normAutofit/>
+          </a:bodyPr>
+          <a:p>
+            <a:pPr algn="ctr"/>
+            <a:endParaRPr lang="zh-CN" altLang="en-US">
+              <a:solidFill>
+                <a:srgbClr val="FFFFFF"/>
+              </a:solidFill>
+              <a:latin typeface="微软雅黑" panose="020B0503020204020204" charset="-122"/>
+              <a:ea typeface="微软雅黑" panose="020B0503020204020204" charset="-122"/>
+              <a:sym typeface="Arial" panose="020B0604020202020204" pitchFamily="34" charset="0"/>
+            </a:endParaRPr>
+          </a:p>
+        </p:txBody>
+      </p:sp>
+      <p:sp>
+        <p:nvSpPr>
+          <p:cNvPr id="15" name="任意多边形 14"/>
+          <p:cNvSpPr/>
+          <p:nvPr>
+            <p:custDataLst>
+              <p:tags r:id="rId8"/>
+            </p:custDataLst>
+          </p:nvPr>
+        </p:nvSpPr>
+        <p:spPr>
+          <a:xfrm rot="19743805">
+            <a:off x="2677795" y="2416175"/>
+            <a:ext cx="207010" cy="669925"/>
+          </a:xfrm>
+          <a:custGeom>
+            <a:avLst/>
+            <a:gdLst>
+              <a:gd name="connsiteX0" fmla="*/ 128434 w 128434"/>
+              <a:gd name="connsiteY0" fmla="*/ 64576 h 416103"/>
+              <a:gd name="connsiteX1" fmla="*/ 128434 w 128434"/>
+              <a:gd name="connsiteY1" fmla="*/ 416103 h 416103"/>
+              <a:gd name="connsiteX2" fmla="*/ 0 w 128434"/>
+              <a:gd name="connsiteY2" fmla="*/ 339125 h 416103"/>
+              <a:gd name="connsiteX3" fmla="*/ 0 w 128434"/>
+              <a:gd name="connsiteY3" fmla="*/ 0 h 416103"/>
+            </a:gdLst>
+            <a:ahLst/>
+            <a:cxnLst>
+              <a:cxn ang="0">
+                <a:pos x="connsiteX0" y="connsiteY0"/>
+              </a:cxn>
+              <a:cxn ang="0">
+                <a:pos x="connsiteX1" y="connsiteY1"/>
+              </a:cxn>
+              <a:cxn ang="0">
+                <a:pos x="connsiteX2" y="connsiteY2"/>
+              </a:cxn>
+              <a:cxn ang="0">
+                <a:pos x="connsiteX3" y="connsiteY3"/>
+              </a:cxn>
+            </a:cxnLst>
+            <a:rect l="l" t="t" r="r" b="b"/>
+            <a:pathLst>
+              <a:path w="128434" h="416103">
+                <a:moveTo>
+                  <a:pt x="128434" y="64576"/>
+                </a:moveTo>
+                <a:lnTo>
+                  <a:pt x="128434" y="416103"/>
+                </a:lnTo>
+                <a:lnTo>
+                  <a:pt x="0" y="339125"/>
+                </a:lnTo>
+                <a:lnTo>
+                  <a:pt x="0" y="0"/>
+                </a:lnTo>
+                <a:close/>
+              </a:path>
+            </a:pathLst>
+          </a:custGeom>
+          <a:solidFill>
+            <a:srgbClr val="79C44C"/>
+          </a:solidFill>
+          <a:ln>
+            <a:noFill/>
+          </a:ln>
+        </p:spPr>
+        <p:style>
+          <a:lnRef idx="2">
+            <a:schemeClr val="accent1">
+              <a:shade val="50000"/>
+            </a:schemeClr>
+          </a:lnRef>
+          <a:fillRef idx="1">
+            <a:schemeClr val="accent1"/>
+          </a:fillRef>
+          <a:effectRef idx="0">
+            <a:schemeClr val="accent1"/>
+          </a:effectRef>
+          <a:fontRef idx="minor">
+            <a:schemeClr val="lt1"/>
+          </a:fontRef>
+        </p:style>
+        <p:txBody>
+          <a:bodyPr lIns="90000" tIns="46800" rIns="90000" bIns="46800" rtlCol="0" anchor="ctr">
+            <a:normAutofit/>
+          </a:bodyPr>
+          <a:p>
+            <a:pPr algn="ctr"/>
+            <a:endParaRPr lang="zh-CN" altLang="en-US">
+              <a:solidFill>
+                <a:srgbClr val="FFFFFF"/>
+              </a:solidFill>
+              <a:latin typeface="微软雅黑" panose="020B0503020204020204" charset="-122"/>
+              <a:ea typeface="微软雅黑" panose="020B0503020204020204" charset="-122"/>
+              <a:sym typeface="Arial" panose="020B0604020202020204" pitchFamily="34" charset="0"/>
+            </a:endParaRPr>
+          </a:p>
+        </p:txBody>
+      </p:sp>
+      <p:sp>
+        <p:nvSpPr>
+          <p:cNvPr id="2" name="矩形 7"/>
+          <p:cNvSpPr/>
+          <p:nvPr>
+            <p:custDataLst>
+              <p:tags r:id="rId9"/>
+            </p:custDataLst>
+          </p:nvPr>
+        </p:nvSpPr>
+        <p:spPr>
+          <a:xfrm>
+            <a:off x="3209925" y="2442210"/>
+            <a:ext cx="6630035" cy="2383155"/>
+          </a:xfrm>
+          <a:custGeom>
+            <a:avLst/>
+            <a:gdLst>
+              <a:gd name="connsiteX0" fmla="*/ 0 w 2520280"/>
+              <a:gd name="connsiteY0" fmla="*/ 1584176 h 1872208"/>
+              <a:gd name="connsiteX1" fmla="*/ 2520280 w 2520280"/>
+              <a:gd name="connsiteY1" fmla="*/ 1584176 h 1872208"/>
+              <a:gd name="connsiteX2" fmla="*/ 2520280 w 2520280"/>
+              <a:gd name="connsiteY2" fmla="*/ 1872208 h 1872208"/>
+              <a:gd name="connsiteX3" fmla="*/ 0 w 2520280"/>
+              <a:gd name="connsiteY3" fmla="*/ 1872208 h 1872208"/>
+              <a:gd name="connsiteX4" fmla="*/ 0 w 2520280"/>
+              <a:gd name="connsiteY4" fmla="*/ 1584176 h 1872208"/>
+              <a:gd name="connsiteX5" fmla="*/ 0 w 2520280"/>
+              <a:gd name="connsiteY5" fmla="*/ 0 h 1872208"/>
+              <a:gd name="connsiteX6" fmla="*/ 2520280 w 2520280"/>
+              <a:gd name="connsiteY6" fmla="*/ 0 h 1872208"/>
+              <a:gd name="connsiteX7" fmla="*/ 2520280 w 2520280"/>
+              <a:gd name="connsiteY7" fmla="*/ 288032 h 1872208"/>
+              <a:gd name="connsiteX8" fmla="*/ 0 w 2520280"/>
+              <a:gd name="connsiteY8" fmla="*/ 0 h 1872208"/>
+              <a:gd name="connsiteX0-1" fmla="*/ 0 w 2520280"/>
+              <a:gd name="connsiteY0-2" fmla="*/ 1584176 h 1872208"/>
+              <a:gd name="connsiteX1-3" fmla="*/ 2520280 w 2520280"/>
+              <a:gd name="connsiteY1-4" fmla="*/ 1584176 h 1872208"/>
+              <a:gd name="connsiteX2-5" fmla="*/ 2520280 w 2520280"/>
+              <a:gd name="connsiteY2-6" fmla="*/ 1872208 h 1872208"/>
+              <a:gd name="connsiteX3-7" fmla="*/ 0 w 2520280"/>
+              <a:gd name="connsiteY3-8" fmla="*/ 1872208 h 1872208"/>
+              <a:gd name="connsiteX4-9" fmla="*/ 0 w 2520280"/>
+              <a:gd name="connsiteY4-10" fmla="*/ 1584176 h 1872208"/>
+              <a:gd name="connsiteX5-11" fmla="*/ 0 w 2520280"/>
+              <a:gd name="connsiteY5-12" fmla="*/ 0 h 1872208"/>
+              <a:gd name="connsiteX6-13" fmla="*/ 2520280 w 2520280"/>
+              <a:gd name="connsiteY6-14" fmla="*/ 0 h 1872208"/>
+              <a:gd name="connsiteX7-15" fmla="*/ 0 w 2520280"/>
+              <a:gd name="connsiteY7-16" fmla="*/ 0 h 1872208"/>
+              <a:gd name="connsiteX0-17" fmla="*/ 0 w 2520280"/>
+              <a:gd name="connsiteY0-18" fmla="*/ 1872208 h 1872208"/>
+              <a:gd name="connsiteX1-19" fmla="*/ 2520280 w 2520280"/>
+              <a:gd name="connsiteY1-20" fmla="*/ 1584176 h 1872208"/>
+              <a:gd name="connsiteX2-21" fmla="*/ 2520280 w 2520280"/>
+              <a:gd name="connsiteY2-22" fmla="*/ 1872208 h 1872208"/>
+              <a:gd name="connsiteX3-23" fmla="*/ 0 w 2520280"/>
+              <a:gd name="connsiteY3-24" fmla="*/ 1872208 h 1872208"/>
+              <a:gd name="connsiteX4-25" fmla="*/ 0 w 2520280"/>
+              <a:gd name="connsiteY4-26" fmla="*/ 0 h 1872208"/>
+              <a:gd name="connsiteX5-27" fmla="*/ 2520280 w 2520280"/>
+              <a:gd name="connsiteY5-28" fmla="*/ 0 h 1872208"/>
+              <a:gd name="connsiteX6-29" fmla="*/ 0 w 2520280"/>
+              <a:gd name="connsiteY6-30" fmla="*/ 0 h 1872208"/>
+              <a:gd name="connsiteX0-31" fmla="*/ 0 w 2520280"/>
+              <a:gd name="connsiteY0-32" fmla="*/ 1872208 h 1872208"/>
+              <a:gd name="connsiteX1-33" fmla="*/ 2520280 w 2520280"/>
+              <a:gd name="connsiteY1-34" fmla="*/ 1872208 h 1872208"/>
+              <a:gd name="connsiteX2-35" fmla="*/ 0 w 2520280"/>
+              <a:gd name="connsiteY2-36" fmla="*/ 1872208 h 1872208"/>
+              <a:gd name="connsiteX3-37" fmla="*/ 0 w 2520280"/>
+              <a:gd name="connsiteY3-38" fmla="*/ 0 h 1872208"/>
+              <a:gd name="connsiteX4-39" fmla="*/ 2520280 w 2520280"/>
+              <a:gd name="connsiteY4-40" fmla="*/ 0 h 1872208"/>
+              <a:gd name="connsiteX5-41" fmla="*/ 0 w 2520280"/>
+              <a:gd name="connsiteY5-42" fmla="*/ 0 h 1872208"/>
+              <a:gd name="connsiteX0-43" fmla="*/ 0 w 2520280"/>
+              <a:gd name="connsiteY0-44" fmla="*/ 1872208 h 1872208"/>
+              <a:gd name="connsiteX1-45" fmla="*/ 2520280 w 2520280"/>
+              <a:gd name="connsiteY1-46" fmla="*/ 1872208 h 1872208"/>
+              <a:gd name="connsiteX2-47" fmla="*/ 0 w 2520280"/>
+              <a:gd name="connsiteY2-48" fmla="*/ 1872208 h 1872208"/>
+              <a:gd name="connsiteX3-49" fmla="*/ 0 w 2520280"/>
+              <a:gd name="connsiteY3-50" fmla="*/ 0 h 1872208"/>
+              <a:gd name="connsiteX4-51" fmla="*/ 34255 w 2520280"/>
+              <a:gd name="connsiteY4-52" fmla="*/ 0 h 1872208"/>
+              <a:gd name="connsiteX5-53" fmla="*/ 0 w 2520280"/>
+              <a:gd name="connsiteY5-54" fmla="*/ 0 h 1872208"/>
+              <a:gd name="connsiteX0-55" fmla="*/ 0 w 2520280"/>
+              <a:gd name="connsiteY0-56" fmla="*/ 1872208 h 1872208"/>
+              <a:gd name="connsiteX1-57" fmla="*/ 2520280 w 2520280"/>
+              <a:gd name="connsiteY1-58" fmla="*/ 1872208 h 1872208"/>
+              <a:gd name="connsiteX2-59" fmla="*/ 0 w 2520280"/>
+              <a:gd name="connsiteY2-60" fmla="*/ 1872208 h 1872208"/>
+              <a:gd name="connsiteX3-61" fmla="*/ 0 w 2520280"/>
+              <a:gd name="connsiteY3-62" fmla="*/ 0 h 1872208"/>
+              <a:gd name="connsiteX4-63" fmla="*/ 917 w 2520280"/>
+              <a:gd name="connsiteY4-64" fmla="*/ 6036 h 1872208"/>
+              <a:gd name="connsiteX5-65" fmla="*/ 0 w 2520280"/>
+              <a:gd name="connsiteY5-66" fmla="*/ 0 h 1872208"/>
+              <a:gd name="connsiteX0-67" fmla="*/ 0 w 2520280"/>
+              <a:gd name="connsiteY0-68" fmla="*/ 1890314 h 1890314"/>
+              <a:gd name="connsiteX1-69" fmla="*/ 2520280 w 2520280"/>
+              <a:gd name="connsiteY1-70" fmla="*/ 1890314 h 1890314"/>
+              <a:gd name="connsiteX2-71" fmla="*/ 0 w 2520280"/>
+              <a:gd name="connsiteY2-72" fmla="*/ 1890314 h 1890314"/>
+              <a:gd name="connsiteX3-73" fmla="*/ 0 w 2520280"/>
+              <a:gd name="connsiteY3-74" fmla="*/ 18106 h 1890314"/>
+              <a:gd name="connsiteX4-75" fmla="*/ 53304 w 2520280"/>
+              <a:gd name="connsiteY4-76" fmla="*/ 0 h 1890314"/>
+              <a:gd name="connsiteX5-77" fmla="*/ 0 w 2520280"/>
+              <a:gd name="connsiteY5-78" fmla="*/ 18106 h 1890314"/>
+              <a:gd name="connsiteX0-79" fmla="*/ 0 w 2520280"/>
+              <a:gd name="connsiteY0-80" fmla="*/ 1872208 h 1872208"/>
+              <a:gd name="connsiteX1-81" fmla="*/ 2520280 w 2520280"/>
+              <a:gd name="connsiteY1-82" fmla="*/ 1872208 h 1872208"/>
+              <a:gd name="connsiteX2-83" fmla="*/ 0 w 2520280"/>
+              <a:gd name="connsiteY2-84" fmla="*/ 1872208 h 1872208"/>
+              <a:gd name="connsiteX3-85" fmla="*/ 0 w 2520280"/>
+              <a:gd name="connsiteY3-86" fmla="*/ 0 h 1872208"/>
+              <a:gd name="connsiteX4-87" fmla="*/ 916 w 2520280"/>
+              <a:gd name="connsiteY4-88" fmla="*/ 0 h 1872208"/>
+              <a:gd name="connsiteX5-89" fmla="*/ 0 w 2520280"/>
+              <a:gd name="connsiteY5-90" fmla="*/ 0 h 1872208"/>
+            </a:gdLst>
+            <a:ahLst/>
+            <a:cxnLst>
+              <a:cxn ang="0">
+                <a:pos x="connsiteX0-79" y="connsiteY0-80"/>
+              </a:cxn>
+              <a:cxn ang="0">
+                <a:pos x="connsiteX1-81" y="connsiteY1-82"/>
+              </a:cxn>
+              <a:cxn ang="0">
+                <a:pos x="connsiteX2-83" y="connsiteY2-84"/>
+              </a:cxn>
+              <a:cxn ang="0">
+                <a:pos x="connsiteX3-85" y="connsiteY3-86"/>
+              </a:cxn>
+              <a:cxn ang="0">
+                <a:pos x="connsiteX4-87" y="connsiteY4-88"/>
+              </a:cxn>
+              <a:cxn ang="0">
+                <a:pos x="connsiteX5-89" y="connsiteY5-90"/>
+              </a:cxn>
+            </a:cxnLst>
+            <a:rect l="l" t="t" r="r" b="b"/>
+            <a:pathLst>
+              <a:path w="2520280" h="1872208">
+                <a:moveTo>
+                  <a:pt x="0" y="1872208"/>
+                </a:moveTo>
+                <a:lnTo>
+                  <a:pt x="2520280" y="1872208"/>
+                </a:lnTo>
+                <a:lnTo>
+                  <a:pt x="0" y="1872208"/>
+                </a:lnTo>
+                <a:close/>
+                <a:moveTo>
+                  <a:pt x="0" y="0"/>
+                </a:moveTo>
+                <a:lnTo>
+                  <a:pt x="916" y="0"/>
+                </a:lnTo>
+                <a:lnTo>
+                  <a:pt x="0" y="0"/>
+                </a:lnTo>
+                <a:close/>
+              </a:path>
+            </a:pathLst>
+          </a:custGeom>
+          <a:noFill/>
+          <a:ln w="19050" cap="sq">
+            <a:noFill/>
+            <a:bevel/>
+          </a:ln>
+        </p:spPr>
+        <p:style>
+          <a:lnRef idx="2">
+            <a:schemeClr val="accent1">
+              <a:shade val="50000"/>
+            </a:schemeClr>
+          </a:lnRef>
+          <a:fillRef idx="1">
+            <a:schemeClr val="accent1"/>
+          </a:fillRef>
+          <a:effectRef idx="0">
+            <a:schemeClr val="accent1"/>
+          </a:effectRef>
+          <a:fontRef idx="minor">
+            <a:schemeClr val="lt1"/>
+          </a:fontRef>
+        </p:style>
+        <p:txBody>
+          <a:bodyPr rot="0" spcFirstLastPara="0" vertOverflow="overflow" horzOverflow="overflow" vert="horz" wrap="square" lIns="90000" tIns="46800" rIns="90000" bIns="46800" numCol="1" spcCol="0" rtlCol="0" fromWordArt="0" anchor="t" anchorCtr="0" forceAA="0" compatLnSpc="1">
+            <a:normAutofit lnSpcReduction="20000"/>
+          </a:bodyPr>
+          <a:p>
+            <a:pPr marL="285750" lvl="0" indent="-285750" algn="l" fontAlgn="ctr">
+              <a:lnSpc>
+                <a:spcPct val="130000"/>
+              </a:lnSpc>
+              <a:spcBef>
+                <a:spcPts val="1000"/>
+              </a:spcBef>
+              <a:spcAft>
+                <a:spcPts val="0"/>
+              </a:spcAft>
+              <a:buSzPct val="100000"/>
+              <a:buFont typeface="Wingdings" panose="05000000000000000000" charset="0"/>
+              <a:buChar char="l"/>
+            </a:pPr>
+            <a:r>
+              <a:rPr lang="zh-CN" altLang="en-US" sz="1500" dirty="0">
+                <a:solidFill>
+                  <a:srgbClr val="000000"/>
+                </a:solidFill>
+                <a:latin typeface="微软雅黑" panose="020B0503020204020204" charset="-122"/>
+                <a:ea typeface="微软雅黑" panose="020B0503020204020204" charset="-122"/>
+                <a:cs typeface="微软雅黑" panose="020B0503020204020204" charset="-122"/>
+              </a:rPr>
+              <a:t>内存优化很重要，但不是必要的，在执行前需要根据实际场景做考量</a:t>
+            </a:r>
+            <a:endParaRPr lang="zh-CN" altLang="en-US" sz="1500" dirty="0">
+              <a:solidFill>
+                <a:srgbClr val="000000"/>
+              </a:solidFill>
+              <a:latin typeface="微软雅黑" panose="020B0503020204020204" charset="-122"/>
+              <a:ea typeface="微软雅黑" panose="020B0503020204020204" charset="-122"/>
+              <a:cs typeface="微软雅黑" panose="020B0503020204020204" charset="-122"/>
+            </a:endParaRPr>
+          </a:p>
+          <a:p>
+            <a:pPr marL="285750" lvl="0" indent="-285750" algn="l" fontAlgn="ctr">
+              <a:lnSpc>
+                <a:spcPct val="130000"/>
+              </a:lnSpc>
+              <a:spcBef>
+                <a:spcPts val="1000"/>
+              </a:spcBef>
+              <a:spcAft>
+                <a:spcPts val="0"/>
+              </a:spcAft>
+              <a:buSzPct val="100000"/>
+              <a:buFont typeface="Wingdings" panose="05000000000000000000" charset="0"/>
+              <a:buChar char="l"/>
+            </a:pPr>
+            <a:endParaRPr lang="zh-CN" altLang="en-US" sz="1500" dirty="0">
+              <a:solidFill>
+                <a:srgbClr val="000000"/>
+              </a:solidFill>
+              <a:latin typeface="微软雅黑" panose="020B0503020204020204" charset="-122"/>
+              <a:ea typeface="微软雅黑" panose="020B0503020204020204" charset="-122"/>
+              <a:cs typeface="微软雅黑" panose="020B0503020204020204" charset="-122"/>
+            </a:endParaRPr>
+          </a:p>
+          <a:p>
+            <a:pPr marL="285750" lvl="0" indent="-285750" algn="l" fontAlgn="ctr">
+              <a:lnSpc>
+                <a:spcPct val="130000"/>
+              </a:lnSpc>
+              <a:spcBef>
+                <a:spcPts val="1000"/>
+              </a:spcBef>
+              <a:spcAft>
+                <a:spcPts val="0"/>
+              </a:spcAft>
+              <a:buSzPct val="100000"/>
+              <a:buFont typeface="Wingdings" panose="05000000000000000000" charset="0"/>
+              <a:buChar char="l"/>
+            </a:pPr>
+            <a:r>
+              <a:rPr lang="zh-CN" altLang="en-US" sz="1500" dirty="0">
+                <a:solidFill>
+                  <a:srgbClr val="000000"/>
+                </a:solidFill>
+                <a:latin typeface="微软雅黑" panose="020B0503020204020204" charset="-122"/>
+                <a:ea typeface="微软雅黑" panose="020B0503020204020204" charset="-122"/>
+                <a:cs typeface="微软雅黑" panose="020B0503020204020204" charset="-122"/>
+              </a:rPr>
+              <a:t>内存优化很大程度上是一个用时间换空间的过程，在设计时要充分考虑空间和时间成本</a:t>
+            </a:r>
+            <a:endParaRPr lang="zh-CN" altLang="en-US" sz="1500" dirty="0">
+              <a:solidFill>
+                <a:srgbClr val="000000"/>
+              </a:solidFill>
+              <a:latin typeface="微软雅黑" panose="020B0503020204020204" charset="-122"/>
+              <a:ea typeface="微软雅黑" panose="020B0503020204020204" charset="-122"/>
+              <a:cs typeface="微软雅黑" panose="020B0503020204020204" charset="-122"/>
+            </a:endParaRPr>
+          </a:p>
+          <a:p>
+            <a:pPr marL="285750" lvl="0" indent="-285750" algn="l" fontAlgn="ctr">
+              <a:lnSpc>
+                <a:spcPct val="130000"/>
+              </a:lnSpc>
+              <a:spcBef>
+                <a:spcPts val="1000"/>
+              </a:spcBef>
+              <a:spcAft>
+                <a:spcPts val="0"/>
+              </a:spcAft>
+              <a:buSzPct val="100000"/>
+              <a:buFont typeface="Wingdings" panose="05000000000000000000" charset="0"/>
+              <a:buChar char="l"/>
+            </a:pPr>
+            <a:endParaRPr lang="zh-CN" altLang="en-US" sz="1500" dirty="0">
+              <a:solidFill>
+                <a:srgbClr val="000000"/>
+              </a:solidFill>
+              <a:latin typeface="微软雅黑" panose="020B0503020204020204" charset="-122"/>
+              <a:ea typeface="微软雅黑" panose="020B0503020204020204" charset="-122"/>
+              <a:cs typeface="微软雅黑" panose="020B0503020204020204" charset="-122"/>
+            </a:endParaRPr>
+          </a:p>
+          <a:p>
+            <a:pPr marL="285750" lvl="0" indent="-285750" algn="l" fontAlgn="ctr">
+              <a:lnSpc>
+                <a:spcPct val="130000"/>
+              </a:lnSpc>
+              <a:spcBef>
+                <a:spcPts val="1000"/>
+              </a:spcBef>
+              <a:spcAft>
+                <a:spcPts val="0"/>
+              </a:spcAft>
+              <a:buSzPct val="100000"/>
+              <a:buFont typeface="Wingdings" panose="05000000000000000000" charset="0"/>
+              <a:buChar char="l"/>
+            </a:pPr>
+            <a:r>
+              <a:rPr lang="zh-CN" altLang="en-US" sz="1500" dirty="0">
+                <a:solidFill>
+                  <a:srgbClr val="000000"/>
+                </a:solidFill>
+                <a:latin typeface="微软雅黑" panose="020B0503020204020204" charset="-122"/>
+                <a:ea typeface="微软雅黑" panose="020B0503020204020204" charset="-122"/>
+                <a:cs typeface="微软雅黑" panose="020B0503020204020204" charset="-122"/>
+              </a:rPr>
+              <a:t>内存优化最重要的一点是能估算内存空间， 包括优化前的内存占用，不同手段优化后的内存占用，节约的内存空间等</a:t>
+            </a:r>
+            <a:endParaRPr lang="zh-CN" altLang="en-US" sz="1500" dirty="0">
+              <a:solidFill>
+                <a:srgbClr val="000000"/>
+              </a:solidFill>
+              <a:latin typeface="微软雅黑" panose="020B0503020204020204" charset="-122"/>
+              <a:ea typeface="微软雅黑" panose="020B0503020204020204" charset="-122"/>
+              <a:cs typeface="微软雅黑" panose="020B0503020204020204" charset="-122"/>
+            </a:endParaRPr>
+          </a:p>
+        </p:txBody>
+      </p:sp>
+      <p:sp>
+        <p:nvSpPr>
+          <p:cNvPr id="33" name="矩形 32"/>
+          <p:cNvSpPr/>
+          <p:nvPr>
+            <p:custDataLst>
+              <p:tags r:id="rId10"/>
+            </p:custDataLst>
+          </p:nvPr>
+        </p:nvSpPr>
+        <p:spPr>
+          <a:xfrm>
+            <a:off x="942340" y="389255"/>
+            <a:ext cx="10060305" cy="734695"/>
+          </a:xfrm>
+          <a:prstGeom prst="rect">
+            <a:avLst/>
+          </a:prstGeom>
+        </p:spPr>
+        <p:txBody>
+          <a:bodyPr wrap="square" lIns="90000" tIns="46800" rIns="90000" bIns="46800" anchor="ctr" anchorCtr="0">
+            <a:normAutofit/>
+          </a:bodyPr>
+          <a:p>
+            <a:pPr marL="0" lvl="0" indent="0" algn="l">
+              <a:lnSpc>
+                <a:spcPct val="130000"/>
+              </a:lnSpc>
+              <a:spcBef>
+                <a:spcPts val="0"/>
+              </a:spcBef>
+              <a:spcAft>
+                <a:spcPts val="0"/>
+              </a:spcAft>
+              <a:buSzPct val="100000"/>
+            </a:pPr>
+            <a:r>
+              <a:rPr lang="zh-CN" altLang="en-US" sz="3200" b="1" spc="300" dirty="0">
+                <a:solidFill>
+                  <a:srgbClr val="000000"/>
+                </a:solidFill>
+                <a:latin typeface="微软雅黑" panose="020B0503020204020204" charset="-122"/>
+                <a:ea typeface="微软雅黑" panose="020B0503020204020204" charset="-122"/>
+                <a:cs typeface="+mj-cs"/>
+              </a:rPr>
+              <a:t>总结</a:t>
+            </a:r>
+            <a:endParaRPr lang="zh-CN" altLang="en-US" sz="3200" b="1" spc="300" dirty="0">
+              <a:solidFill>
+                <a:srgbClr val="000000"/>
+              </a:solidFill>
+              <a:latin typeface="微软雅黑" panose="020B0503020204020204" charset="-122"/>
+              <a:ea typeface="微软雅黑" panose="020B0503020204020204" charset="-122"/>
+              <a:cs typeface="+mj-cs"/>
+            </a:endParaRPr>
+          </a:p>
+        </p:txBody>
+      </p:sp>
+      <p:cxnSp>
+        <p:nvCxnSpPr>
+          <p:cNvPr id="34" name="直接连接符 33"/>
+          <p:cNvCxnSpPr/>
+          <p:nvPr>
+            <p:custDataLst>
+              <p:tags r:id="rId11"/>
+            </p:custDataLst>
+          </p:nvPr>
+        </p:nvCxnSpPr>
+        <p:spPr>
+          <a:xfrm>
+            <a:off x="709930" y="531495"/>
+            <a:ext cx="0" cy="592455"/>
+          </a:xfrm>
+          <a:prstGeom prst="line">
+            <a:avLst/>
+          </a:prstGeom>
+          <a:ln w="101600">
+            <a:solidFill>
+              <a:srgbClr val="79C44C"/>
+            </a:solidFill>
+          </a:ln>
+        </p:spPr>
+        <p:style>
+          <a:lnRef idx="1">
+            <a:schemeClr val="accent1"/>
+          </a:lnRef>
+          <a:fillRef idx="0">
+            <a:schemeClr val="accent1"/>
+          </a:fillRef>
+          <a:effectRef idx="0">
+            <a:schemeClr val="accent1"/>
+          </a:effectRef>
+          <a:fontRef idx="minor">
+            <a:schemeClr val="tx1"/>
+          </a:fontRef>
+        </p:style>
+      </p:cxnSp>
+    </p:spTree>
+    <p:custDataLst>
+      <p:tags r:id="rId12"/>
     </p:custDataLst>
   </p:cSld>
   <p:clrMapOvr>
@@ -47942,7 +48619,7 @@
   <p:tag name="KSO_WM_UNIT_BLOCK" val="0"/>
   <p:tag name="KSO_WM_UNIT_ISNUMDGMTITLE" val="0"/>
   <p:tag name="KSO_WM_UNIT_PLACING_PICTURE_MD4" val="0"/>
-  <p:tag name="KSO_WM_UNIT_SMARTLAYOUT_COMPRESS_INFO" val="{&#10;    &quot;id&quot;: &quot;2020-05-24T10:24:51&quot;,&#10;    &quot;max&quot;: 0.026929614450054373,&#10;    &quot;topChanged&quot;: 0&#10;}&#10;"/>
+  <p:tag name="KSO_WM_UNIT_SMARTLAYOUT_COMPRESS_INFO" val="{&#10;    &quot;id&quot;: &quot;2020-05-25T22:21:10&quot;,&#10;    &quot;max&quot;: 0.026929614450054373,&#10;    &quot;topChanged&quot;: 0&#10;}&#10;"/>
   <p:tag name="KSO_WM_UNIT_LAST_MAX_FONTSIZE" val="640"/>
   <p:tag name="KSO_WM_UNIT_TEXT_FILL_FORE_SCHEMECOLOR_INDEX_BRIGHTNESS" val="0.25"/>
   <p:tag name="KSO_WM_UNIT_TEXT_FILL_FORE_SCHEMECOLOR_INDEX" val="13"/>
@@ -48034,7 +48711,7 @@
   <p:tag name="KSO_WM_UNIT_BLOCK" val="0"/>
   <p:tag name="KSO_WM_UNIT_PLACING_PICTURE" val="43773.6692183912"/>
   <p:tag name="KSO_WM_UNIT_PLACING_PICTURE_MD4" val="0"/>
-  <p:tag name="REFSHAPE" val="744496556"/>
+  <p:tag name="REFSHAPE" val="513238468"/>
   <p:tag name="KSO_WM_UNIT_PICTURE_CLIP_FLAG" val="0"/>
 </p:tagLst>
 </file>
@@ -48057,7 +48734,7 @@
   <p:tag name="KSO_WM_SLIDE_SUBTYPE" val="picTxt"/>
   <p:tag name="KSO_WM_SLIDE_SIZE" val="960*457"/>
   <p:tag name="KSO_WM_SLIDE_POSITION" val="0*34"/>
-  <p:tag name="KSO_WM_SLIDE_LAYOUT_INFO" val="{&#10;    &quot;backgroundInfo&quot;: [&#10;        {&#10;            &quot;bottom&quot;: 0,&#10;            &quot;bottomAbs&quot;: false,&#10;            &quot;left&quot;: 0,&#10;            &quot;leftAbs&quot;: false,&#10;            &quot;right&quot;: 0,&#10;            &quot;rightAbs&quot;: false,&#10;            &quot;top&quot;: 0,&#10;            &quot;topAbs&quot;: false,&#10;            &quot;type&quot;: &quot;general&quot;&#10;        },&#10;        {&#10;            &quot;bottom&quot;: 0,&#10;            &quot;bottomAbs&quot;: false,&#10;            &quot;left&quot;: 0,&#10;            &quot;leftAbs&quot;: false,&#10;            &quot;right&quot;: 0,&#10;            &quot;rightAbs&quot;: false,&#10;            &quot;top&quot;: 0,&#10;            &quot;topAbs&quot;: false,&#10;            &quot;type&quot;: &quot;frame&quot;&#10;        }&#10;    ],&#10;    &quot;horizontalAlign&quot;: 1,&#10;    &quot;id&quot;: &quot;2020-05-24T10:24:51&quot;,&#10;    &quot;maxSize&quot;: {&#10;        &quot;size1&quot;: 23.600000000000001&#10;    },&#10;    &quot;minSize&quot;: {&#10;        &quot;size1&quot;: 23.600000000000001&#10;    },&#10;    &quot;normalSize&quot;: {&#10;        &quot;size1&quot;: 23.600000000000001&#10;    },&#10;    &quot;subLayout&quot;: [&#10;        {&#10;            &quot;id&quot;: &quot;2020-05-24T10:24:51&quot;,&#10;            &quot;margin&quot;: {&#10;                &quot;bottom&quot;: 1.2350000143051147,&#10;                &quot;left&quot;: 1.690000057220459,&#10;                &quot;right&quot;: 1.6970000267028809,&#10;                &quot;top&quot;: 1.690000057220459&#10;            },&#10;            &quot;type&quot;: 0&#10;        },&#10;        {&#10;            &quot;horizontalAlign&quot;: 0,&#10;            &quot;id&quot;: &quot;2020-05-24T10:24:51&quot;,&#10;            &quot;margin&quot;: {&#10;                &quot;bottom&quot;: 2.5399999618530273,&#10;                &quot;left&quot;: 1.690000057220459,&#10;                &quot;right&quot;: 1.690000057220459,&#10;                &quot;top&quot;: 0.026000002399086952&#10;            },&#10;            &quot;type&quot;: 1,&#10;            &quot;verticalAlign&quot;: 0&#10;        }&#10;    ],&#10;    &quot;type&quot;: 1,&#10;    &quot;verticalAlign&quot;: 1&#10;}&#10;"/>
+  <p:tag name="KSO_WM_SLIDE_LAYOUT_INFO" val="{&#10;    &quot;backgroundInfo&quot;: [&#10;        {&#10;            &quot;bottom&quot;: 0,&#10;            &quot;bottomAbs&quot;: false,&#10;            &quot;left&quot;: 0,&#10;            &quot;leftAbs&quot;: false,&#10;            &quot;right&quot;: 0,&#10;            &quot;rightAbs&quot;: false,&#10;            &quot;top&quot;: 0,&#10;            &quot;topAbs&quot;: false,&#10;            &quot;type&quot;: &quot;general&quot;&#10;        },&#10;        {&#10;            &quot;bottom&quot;: 0,&#10;            &quot;bottomAbs&quot;: false,&#10;            &quot;left&quot;: 0,&#10;            &quot;leftAbs&quot;: false,&#10;            &quot;right&quot;: 0,&#10;            &quot;rightAbs&quot;: false,&#10;            &quot;top&quot;: 0,&#10;            &quot;topAbs&quot;: false,&#10;            &quot;type&quot;: &quot;frame&quot;&#10;        }&#10;    ],&#10;    &quot;horizontalAlign&quot;: 1,&#10;    &quot;id&quot;: &quot;2020-05-25T22:21:10&quot;,&#10;    &quot;maxSize&quot;: {&#10;        &quot;size1&quot;: 23.600000000000001&#10;    },&#10;    &quot;minSize&quot;: {&#10;        &quot;size1&quot;: 23.600000000000001&#10;    },&#10;    &quot;normalSize&quot;: {&#10;        &quot;size1&quot;: 23.600000000000001&#10;    },&#10;    &quot;subLayout&quot;: [&#10;        {&#10;            &quot;id&quot;: &quot;2020-05-25T22:21:10&quot;,&#10;            &quot;margin&quot;: {&#10;                &quot;bottom&quot;: 1.2350000143051147,&#10;                &quot;left&quot;: 1.690000057220459,&#10;                &quot;right&quot;: 1.6970000267028809,&#10;                &quot;top&quot;: 1.690000057220459&#10;            },&#10;            &quot;type&quot;: 0&#10;        },&#10;        {&#10;            &quot;horizontalAlign&quot;: 0,&#10;            &quot;id&quot;: &quot;2020-05-25T22:21:10&quot;,&#10;            &quot;margin&quot;: {&#10;                &quot;bottom&quot;: 2.5399999618530273,&#10;                &quot;left&quot;: 1.690000057220459,&#10;                &quot;right&quot;: 1.690000057220459,&#10;                &quot;top&quot;: 0.026000002399086952&#10;            },&#10;            &quot;type&quot;: 1,&#10;            &quot;verticalAlign&quot;: 0&#10;        }&#10;    ],&#10;    &quot;type&quot;: 1,&#10;    &quot;verticalAlign&quot;: 1&#10;}&#10;"/>
   <p:tag name="KSO_WM_SLIDE_CAN_ADD_NAVIGATION" val="1"/>
   <p:tag name="KSO_WM_SLIDE_BACKGROUND" val="[&quot;general&quot;,&quot;frame&quot;]"/>
   <p:tag name="KSO_WM_SLIDE_RATIO" val="1.777778"/>
@@ -48066,6 +48743,61 @@
 </p:tagLst>
 </file>
 
+<file path=ppt/tags/tag537.xml><?xml version="1.0" encoding="utf-8"?>
+<p:tagLst xmlns:p="http://schemas.openxmlformats.org/presentationml/2006/main">
+  <p:tag name="KSO_WM_SLIDE_BACKGROUND_TYPE" val="general"/>
+  <p:tag name="KSO_WM_UNIT_HIGHLIGHT" val="0"/>
+  <p:tag name="KSO_WM_UNIT_COMPATIBLE" val="0"/>
+  <p:tag name="KSO_WM_UNIT_DIAGRAM_ISNUMVISUAL" val="0"/>
+  <p:tag name="KSO_WM_UNIT_DIAGRAM_ISREFERUNIT" val="0"/>
+  <p:tag name="KSO_WM_UNIT_ID" val="_12**"/>
+  <p:tag name="KSO_WM_UNIT_LAYERLEVEL" val="1"/>
+  <p:tag name="KSO_WM_TAG_VERSION" val="1.0"/>
+  <p:tag name="KSO_WM_BEAUTIFY_FLAG" val="#wm#"/>
+  <p:tag name="KSO_WM_SLIDE_BK_DARK_LIGHT" val="2"/>
+  <p:tag name="KSO_WM_UNIT_TYPE" val="i"/>
+</p:tagLst>
+</file>
+
+<file path=ppt/tags/tag538.xml><?xml version="1.0" encoding="utf-8"?>
+<p:tagLst xmlns:p="http://schemas.openxmlformats.org/presentationml/2006/main">
+  <p:tag name="KSO_WM_SLIDE_BACKGROUND_TYPE" val="general"/>
+  <p:tag name="KSO_WM_UNIT_HIGHLIGHT" val="0"/>
+  <p:tag name="KSO_WM_UNIT_COMPATIBLE" val="0"/>
+  <p:tag name="KSO_WM_UNIT_DIAGRAM_ISNUMVISUAL" val="0"/>
+  <p:tag name="KSO_WM_UNIT_DIAGRAM_ISREFERUNIT" val="0"/>
+  <p:tag name="KSO_WM_UNIT_ID" val="_12**"/>
+  <p:tag name="KSO_WM_UNIT_LAYERLEVEL" val="1"/>
+  <p:tag name="KSO_WM_TAG_VERSION" val="1.0"/>
+  <p:tag name="KSO_WM_BEAUTIFY_FLAG" val="#wm#"/>
+  <p:tag name="KSO_WM_SLIDE_BK_DARK_LIGHT" val="2"/>
+  <p:tag name="KSO_WM_UNIT_TYPE" val="i"/>
+</p:tagLst>
+</file>
+
+<file path=ppt/tags/tag539.xml><?xml version="1.0" encoding="utf-8"?>
+<p:tagLst xmlns:p="http://schemas.openxmlformats.org/presentationml/2006/main">
+  <p:tag name="KSO_WM_UNIT_HIGHLIGHT" val="0"/>
+  <p:tag name="KSO_WM_UNIT_COMPATIBLE" val="0"/>
+  <p:tag name="KSO_WM_UNIT_DIAGRAM_ISNUMVISUAL" val="0"/>
+  <p:tag name="KSO_WM_UNIT_DIAGRAM_ISREFERUNIT" val="0"/>
+  <p:tag name="KSO_WM_DIAGRAM_GROUP_CODE" val="l1-1"/>
+  <p:tag name="KSO_WM_UNIT_TYPE" val="l_h_i"/>
+  <p:tag name="KSO_WM_UNIT_INDEX" val="1_1_1"/>
+  <p:tag name="KSO_WM_UNIT_ID" val="diagram160126_1*l_h_i*1_1_1"/>
+  <p:tag name="KSO_WM_TEMPLATE_CATEGORY" val="diagram"/>
+  <p:tag name="KSO_WM_TEMPLATE_INDEX" val="160126"/>
+  <p:tag name="KSO_WM_UNIT_LAYERLEVEL" val="1_1_1"/>
+  <p:tag name="KSO_WM_TAG_VERSION" val="1.0"/>
+  <p:tag name="KSO_WM_BEAUTIFY_FLAG" val="#wm#"/>
+  <p:tag name="KSO_WM_UNIT_FILL_FORE_SCHEMECOLOR_INDEX" val="13"/>
+  <p:tag name="KSO_WM_UNIT_FILL_TYPE" val="1"/>
+  <p:tag name="KSO_WM_UNIT_TEXT_FILL_FORE_SCHEMECOLOR_INDEX" val="2"/>
+  <p:tag name="KSO_WM_UNIT_TEXT_FILL_TYPE" val="1"/>
+  <p:tag name="KSO_WM_UNIT_USESOURCEFORMAT_APPLY" val="1"/>
+</p:tagLst>
+</file>
+
 <file path=ppt/tags/tag54.xml><?xml version="1.0" encoding="utf-8"?>
 <p:tagLst xmlns:p="http://schemas.openxmlformats.org/presentationml/2006/main">
   <p:tag name="KSO_WM_UNIT_HIGHLIGHT" val="0"/>
@@ -48076,6 +48808,124 @@
   <p:tag name="KSO_WM_UNIT_LAYERLEVEL" val="1"/>
   <p:tag name="KSO_WM_TAG_VERSION" val="1.0"/>
   <p:tag name="KSO_WM_BEAUTIFY_FLAG" val="#wm#"/>
+</p:tagLst>
+</file>
+
+<file path=ppt/tags/tag540.xml><?xml version="1.0" encoding="utf-8"?>
+<p:tagLst xmlns:p="http://schemas.openxmlformats.org/presentationml/2006/main">
+  <p:tag name="KSO_WM_UNIT_HIGHLIGHT" val="0"/>
+  <p:tag name="KSO_WM_UNIT_COMPATIBLE" val="0"/>
+  <p:tag name="KSO_WM_UNIT_DIAGRAM_ISNUMVISUAL" val="0"/>
+  <p:tag name="KSO_WM_UNIT_DIAGRAM_ISREFERUNIT" val="0"/>
+  <p:tag name="KSO_WM_DIAGRAM_GROUP_CODE" val="l1-1"/>
+  <p:tag name="KSO_WM_UNIT_TYPE" val="l_h_i"/>
+  <p:tag name="KSO_WM_UNIT_INDEX" val="1_1_2"/>
+  <p:tag name="KSO_WM_UNIT_ID" val="diagram160126_1*l_h_i*1_1_2"/>
+  <p:tag name="KSO_WM_TEMPLATE_CATEGORY" val="diagram"/>
+  <p:tag name="KSO_WM_TEMPLATE_INDEX" val="160126"/>
+  <p:tag name="KSO_WM_UNIT_LAYERLEVEL" val="1_1_1"/>
+  <p:tag name="KSO_WM_TAG_VERSION" val="1.0"/>
+  <p:tag name="KSO_WM_BEAUTIFY_FLAG" val="#wm#"/>
+  <p:tag name="KSO_WM_UNIT_FILL_FORE_SCHEMECOLOR_INDEX" val="5"/>
+  <p:tag name="KSO_WM_UNIT_FILL_TYPE" val="1"/>
+  <p:tag name="KSO_WM_UNIT_TEXT_FILL_FORE_SCHEMECOLOR_INDEX" val="2"/>
+  <p:tag name="KSO_WM_UNIT_TEXT_FILL_TYPE" val="1"/>
+  <p:tag name="KSO_WM_UNIT_USESOURCEFORMAT_APPLY" val="1"/>
+</p:tagLst>
+</file>
+
+<file path=ppt/tags/tag541.xml><?xml version="1.0" encoding="utf-8"?>
+<p:tagLst xmlns:p="http://schemas.openxmlformats.org/presentationml/2006/main">
+  <p:tag name="KSO_WM_UNIT_PRESET_TEXT" val="点击此处添加正文，文字是您思想的提炼，为了演示发布的良好效果，请言简意赅的阐述您的观点。&#13;您的正文已经经简明扼要，字字珠玑，但信息却千丝万缕、错综复杂，需要用更多的文字来表述；但请您尽可能提炼思想的精髓，否则容易造成观者的阅读压力，适得其反。&#13;正如我们都希望改变世界，希望给别人带去光明，但更多时候我们只需要播下一颗种子，自然有微风吹拂，雨露滋养。恰如其分的表达观点，往往事半功倍。"/>
+  <p:tag name="KSO_WM_UNIT_NOCLEAR" val="0"/>
+  <p:tag name="KSO_WM_UNIT_VALUE" val="252"/>
+  <p:tag name="KSO_WM_UNIT_HIGHLIGHT" val="0"/>
+  <p:tag name="KSO_WM_UNIT_COMPATIBLE" val="0"/>
+  <p:tag name="KSO_WM_UNIT_DIAGRAM_ISNUMVISUAL" val="0"/>
+  <p:tag name="KSO_WM_UNIT_DIAGRAM_ISREFERUNIT" val="0"/>
+  <p:tag name="KSO_WM_DIAGRAM_GROUP_CODE" val="l1-1"/>
+  <p:tag name="KSO_WM_UNIT_TYPE" val="l_h_f"/>
+  <p:tag name="KSO_WM_UNIT_INDEX" val="1_1_1"/>
+  <p:tag name="KSO_WM_UNIT_ID" val="diagram160126_1*l_h_f*1_1_1"/>
+  <p:tag name="KSO_WM_TEMPLATE_CATEGORY" val="diagram"/>
+  <p:tag name="KSO_WM_TEMPLATE_INDEX" val="160126"/>
+  <p:tag name="KSO_WM_UNIT_LAYERLEVEL" val="1_1_1"/>
+  <p:tag name="KSO_WM_TAG_VERSION" val="1.0"/>
+  <p:tag name="KSO_WM_BEAUTIFY_FLAG" val="#wm#"/>
+  <p:tag name="KSO_WM_UNIT_TEXT_FILL_FORE_SCHEMECOLOR_INDEX" val="13"/>
+  <p:tag name="KSO_WM_UNIT_TEXT_FILL_TYPE" val="1"/>
+  <p:tag name="KSO_WM_UNIT_USESOURCEFORMAT_APPLY" val="1"/>
+</p:tagLst>
+</file>
+
+<file path=ppt/tags/tag542.xml><?xml version="1.0" encoding="utf-8"?>
+<p:tagLst xmlns:p="http://schemas.openxmlformats.org/presentationml/2006/main">
+  <p:tag name="KSO_WM_UNIT_ISCONTENTSTITLE" val="0"/>
+  <p:tag name="KSO_WM_UNIT_PRESET_TEXT" val="单击此处添加标题"/>
+  <p:tag name="KSO_WM_UNIT_NOCLEAR" val="0"/>
+  <p:tag name="KSO_WM_UNIT_VALUE" val="27"/>
+  <p:tag name="KSO_WM_UNIT_HIGHLIGHT" val="0"/>
+  <p:tag name="KSO_WM_UNIT_COMPATIBLE" val="0"/>
+  <p:tag name="KSO_WM_UNIT_DIAGRAM_ISNUMVISUAL" val="0"/>
+  <p:tag name="KSO_WM_UNIT_DIAGRAM_ISREFERUNIT" val="0"/>
+  <p:tag name="KSO_WM_DIAGRAM_GROUP_CODE" val="l1-1"/>
+  <p:tag name="KSO_WM_UNIT_TYPE" val="a"/>
+  <p:tag name="KSO_WM_UNIT_INDEX" val="1"/>
+  <p:tag name="KSO_WM_UNIT_ID" val="diagram160126_1*a*1"/>
+  <p:tag name="KSO_WM_TEMPLATE_CATEGORY" val="diagram"/>
+  <p:tag name="KSO_WM_TEMPLATE_INDEX" val="160126"/>
+  <p:tag name="KSO_WM_UNIT_LAYERLEVEL" val="1"/>
+  <p:tag name="KSO_WM_TAG_VERSION" val="1.0"/>
+  <p:tag name="KSO_WM_BEAUTIFY_FLAG" val="#wm#"/>
+  <p:tag name="KSO_WM_UNIT_TEXT_FILL_FORE_SCHEMECOLOR_INDEX" val="13"/>
+  <p:tag name="KSO_WM_UNIT_TEXT_FILL_TYPE" val="1"/>
+  <p:tag name="KSO_WM_UNIT_USESOURCEFORMAT_APPLY" val="1"/>
+</p:tagLst>
+</file>
+
+<file path=ppt/tags/tag543.xml><?xml version="1.0" encoding="utf-8"?>
+<p:tagLst xmlns:p="http://schemas.openxmlformats.org/presentationml/2006/main">
+  <p:tag name="KSO_WM_UNIT_HIGHLIGHT" val="0"/>
+  <p:tag name="KSO_WM_UNIT_COMPATIBLE" val="0"/>
+  <p:tag name="KSO_WM_UNIT_DIAGRAM_ISNUMVISUAL" val="0"/>
+  <p:tag name="KSO_WM_UNIT_DIAGRAM_ISREFERUNIT" val="0"/>
+  <p:tag name="KSO_WM_DIAGRAM_GROUP_CODE" val="l1-1"/>
+  <p:tag name="KSO_WM_UNIT_TYPE" val="i"/>
+  <p:tag name="KSO_WM_UNIT_INDEX" val="1"/>
+  <p:tag name="KSO_WM_UNIT_ID" val="diagram160126_1*i*1"/>
+  <p:tag name="KSO_WM_TEMPLATE_CATEGORY" val="diagram"/>
+  <p:tag name="KSO_WM_TEMPLATE_INDEX" val="160126"/>
+  <p:tag name="KSO_WM_UNIT_LAYERLEVEL" val="1"/>
+  <p:tag name="KSO_WM_TAG_VERSION" val="1.0"/>
+  <p:tag name="KSO_WM_BEAUTIFY_FLAG" val="#wm#"/>
+  <p:tag name="KSO_WM_UNIT_LINE_FORE_SCHEMECOLOR_INDEX" val="5"/>
+  <p:tag name="KSO_WM_UNIT_LINE_FILL_TYPE" val="2"/>
+  <p:tag name="KSO_WM_UNIT_USESOURCEFORMAT_APPLY" val="1"/>
+</p:tagLst>
+</file>
+
+<file path=ppt/tags/tag544.xml><?xml version="1.0" encoding="utf-8"?>
+<p:tagLst xmlns:p="http://schemas.openxmlformats.org/presentationml/2006/main">
+  <p:tag name="KSO_WM_BEAUTIFY_FLAG" val="#wm#"/>
+  <p:tag name="KSO_WM_TEMPLATE_CATEGORY" val="diagram"/>
+  <p:tag name="KSO_WM_TEMPLATE_INDEX" val="160126"/>
+  <p:tag name="KSO_WM_SLIDE_ID" val="diagram160126_1"/>
+  <p:tag name="KSO_WM_TEMPLATE_SUBCATEGORY" val="0"/>
+  <p:tag name="KSO_WM_TEMPLATE_MASTER_TYPE" val="0"/>
+  <p:tag name="KSO_WM_TEMPLATE_COLOR_TYPE" val="1"/>
+  <p:tag name="KSO_WM_SLIDE_TYPE" val="text"/>
+  <p:tag name="KSO_WM_SLIDE_SUBTYPE" val="diag"/>
+  <p:tag name="KSO_WM_SLIDE_ITEM_CNT" val="1"/>
+  <p:tag name="KSO_WM_SLIDE_INDEX" val="1"/>
+  <p:tag name="KSO_WM_SLIDE_SIZE" val="589.55*189.7"/>
+  <p:tag name="KSO_WM_SLIDE_POSITION" val="185.25*190.25"/>
+  <p:tag name="KSO_WM_DIAGRAM_GROUP_CODE" val="l1-1"/>
+  <p:tag name="KSO_WM_SLIDE_DIAGTYPE" val="l"/>
+  <p:tag name="KSO_WM_TAG_VERSION" val="1.0"/>
+  <p:tag name="KSO_WM_SLIDE_LAYOUT" val="a_l"/>
+  <p:tag name="KSO_WM_SLIDE_LAYOUT_CNT" val="1_1"/>
+  <p:tag name="KSO_WM_SLIDE_BK_DARK_LIGHT" val="2"/>
+  <p:tag name="KSO_WM_SLIDE_BACKGROUND_TYPE" val="general"/>
 </p:tagLst>
 </file>
 

--- a/web/src/main/resources/Java内存优化分享.pptx
+++ b/web/src/main/resources/Java内存优化分享.pptx
@@ -21618,7 +21618,7 @@
             </a:pPr>
             <a:r>
               <a:rPr lang="zh-CN" altLang="en-US" sz="2000" dirty="0"/>
-              <a:t>对象优化</a:t>
+              <a:t>对象指针</a:t>
             </a:r>
             <a:endParaRPr lang="zh-CN" altLang="en-US" sz="2000" dirty="0"/>
           </a:p>
@@ -21638,7 +21638,7 @@
             </a:pPr>
             <a:r>
               <a:rPr lang="zh-CN" altLang="en-US" sz="2000" dirty="0"/>
-              <a:t>数据优化</a:t>
+              <a:t>数据结构</a:t>
             </a:r>
             <a:endParaRPr lang="zh-CN" altLang="en-US" sz="2000" dirty="0"/>
           </a:p>

--- a/web/src/main/resources/Java内存优化分享.pptx
+++ b/web/src/main/resources/Java内存优化分享.pptx
@@ -31893,27 +31893,22 @@
       </p:grpSp>
       <p:pic>
         <p:nvPicPr>
-          <p:cNvPr id="16" name="图片 15" descr="C:\Users\kingsoft\Pictures\风景\fog-foggy-forest-4827.jpgfog-foggy-forest-4827"/>
+          <p:cNvPr id="2" name="图片 1" descr="批量字符串存储 (1)"/>
           <p:cNvPicPr>
             <a:picLocks noChangeAspect="1"/>
           </p:cNvPicPr>
-          <p:nvPr>
-            <p:custDataLst>
-              <p:tags r:id="rId13"/>
-            </p:custDataLst>
-          </p:nvPr>
+          <p:nvPr/>
         </p:nvPicPr>
-        <p:blipFill rotWithShape="1">
-          <a:blip r:embed="rId14"/>
-          <a:srcRect/>
+        <p:blipFill>
+          <a:blip r:embed="rId13"/>
           <a:stretch>
             <a:fillRect/>
           </a:stretch>
         </p:blipFill>
         <p:spPr>
           <a:xfrm>
-            <a:off x="621279" y="1817250"/>
-            <a:ext cx="10972710" cy="3937430"/>
+            <a:off x="1066800" y="1516380"/>
+            <a:ext cx="10058400" cy="4384675"/>
           </a:xfrm>
           <a:prstGeom prst="rect">
             <a:avLst/>
@@ -31922,7 +31917,7 @@
       </p:pic>
     </p:spTree>
     <p:custDataLst>
-      <p:tags r:id="rId15"/>
+      <p:tags r:id="rId14"/>
     </p:custDataLst>
   </p:cSld>
   <p:clrMapOvr>
@@ -33339,7 +33334,7 @@
                 <a:ea typeface="微软雅黑" panose="020B0503020204020204" charset="-122"/>
                 <a:cs typeface="微软雅黑" panose="020B0503020204020204" charset="-122"/>
               </a:rPr>
-              <a:t>内存优化很大程度上是一个用时间换空间的过程，在设计时要充分考虑空间和时间成本</a:t>
+              <a:t>内存优化很大程度上是一个用时间换空间的过程，在设计时要充分考虑空间，时间成本以及代码的复杂程度</a:t>
             </a:r>
             <a:endParaRPr lang="zh-CN" altLang="en-US" sz="1500" dirty="0">
               <a:solidFill>
@@ -48693,31 +48688,6 @@
 
 <file path=ppt/tags/tag535.xml><?xml version="1.0" encoding="utf-8"?>
 <p:tagLst xmlns:p="http://schemas.openxmlformats.org/presentationml/2006/main">
-  <p:tag name="KSO_WM_UNIT_VALUE" val="1198*3046"/>
-  <p:tag name="KSO_WM_UNIT_HIGHLIGHT" val="0"/>
-  <p:tag name="KSO_WM_UNIT_COMPATIBLE" val="0"/>
-  <p:tag name="KSO_WM_UNIT_DIAGRAM_ISNUMVISUAL" val="0"/>
-  <p:tag name="KSO_WM_UNIT_DIAGRAM_ISREFERUNIT" val="0"/>
-  <p:tag name="KSO_WM_UNIT_TYPE" val="d"/>
-  <p:tag name="KSO_WM_UNIT_INDEX" val="1"/>
-  <p:tag name="KSO_WM_UNIT_ID" val="diagram20202386_1*d*1"/>
-  <p:tag name="KSO_WM_TEMPLATE_CATEGORY" val="diagram"/>
-  <p:tag name="KSO_WM_TEMPLATE_INDEX" val="20202386"/>
-  <p:tag name="KSO_WM_UNIT_LAYERLEVEL" val="1"/>
-  <p:tag name="KSO_WM_TAG_VERSION" val="1.0"/>
-  <p:tag name="KSO_WM_BEAUTIFY_FLAG" val="#wm#"/>
-  <p:tag name="KSO_WM_UNIT_PLACING_PICTURE_INFO" val="{&quot;full_picture&quot;:false,&quot;last_crop_picture&quot;:&quot;1-1&quot;,&quot;selected&quot;:&quot;1-1&quot;,&quot;spacing&quot;:6}"/>
-  <p:tag name="KSO_WM_UNIT_SUPPORT_UNIT_TYPE" val="[&quot;all&quot;]"/>
-  <p:tag name="KSO_WM_UNIT_BLOCK" val="0"/>
-  <p:tag name="KSO_WM_UNIT_PLACING_PICTURE" val="43773.6692183912"/>
-  <p:tag name="KSO_WM_UNIT_PLACING_PICTURE_MD4" val="0"/>
-  <p:tag name="REFSHAPE" val="513238468"/>
-  <p:tag name="KSO_WM_UNIT_PICTURE_CLIP_FLAG" val="0"/>
-</p:tagLst>
-</file>
-
-<file path=ppt/tags/tag536.xml><?xml version="1.0" encoding="utf-8"?>
-<p:tagLst xmlns:p="http://schemas.openxmlformats.org/presentationml/2006/main">
   <p:tag name="KSO_WM_BEAUTIFY_FLAG" val="#wm#"/>
   <p:tag name="KSO_WM_TEMPLATE_CATEGORY" val="diagram"/>
   <p:tag name="KSO_WM_TEMPLATE_INDEX" val="20202386"/>
@@ -48743,7 +48713,7 @@
 </p:tagLst>
 </file>
 
-<file path=ppt/tags/tag537.xml><?xml version="1.0" encoding="utf-8"?>
+<file path=ppt/tags/tag536.xml><?xml version="1.0" encoding="utf-8"?>
 <p:tagLst xmlns:p="http://schemas.openxmlformats.org/presentationml/2006/main">
   <p:tag name="KSO_WM_SLIDE_BACKGROUND_TYPE" val="general"/>
   <p:tag name="KSO_WM_UNIT_HIGHLIGHT" val="0"/>
@@ -48759,7 +48729,7 @@
 </p:tagLst>
 </file>
 
-<file path=ppt/tags/tag538.xml><?xml version="1.0" encoding="utf-8"?>
+<file path=ppt/tags/tag537.xml><?xml version="1.0" encoding="utf-8"?>
 <p:tagLst xmlns:p="http://schemas.openxmlformats.org/presentationml/2006/main">
   <p:tag name="KSO_WM_SLIDE_BACKGROUND_TYPE" val="general"/>
   <p:tag name="KSO_WM_UNIT_HIGHLIGHT" val="0"/>
@@ -48775,7 +48745,7 @@
 </p:tagLst>
 </file>
 
-<file path=ppt/tags/tag539.xml><?xml version="1.0" encoding="utf-8"?>
+<file path=ppt/tags/tag538.xml><?xml version="1.0" encoding="utf-8"?>
 <p:tagLst xmlns:p="http://schemas.openxmlformats.org/presentationml/2006/main">
   <p:tag name="KSO_WM_UNIT_HIGHLIGHT" val="0"/>
   <p:tag name="KSO_WM_UNIT_COMPATIBLE" val="0"/>
@@ -48798,20 +48768,7 @@
 </p:tagLst>
 </file>
 
-<file path=ppt/tags/tag54.xml><?xml version="1.0" encoding="utf-8"?>
-<p:tagLst xmlns:p="http://schemas.openxmlformats.org/presentationml/2006/main">
-  <p:tag name="KSO_WM_UNIT_HIGHLIGHT" val="0"/>
-  <p:tag name="KSO_WM_UNIT_COMPATIBLE" val="0"/>
-  <p:tag name="KSO_WM_UNIT_DIAGRAM_ISNUMVISUAL" val="0"/>
-  <p:tag name="KSO_WM_UNIT_DIAGRAM_ISREFERUNIT" val="0"/>
-  <p:tag name="KSO_WM_UNIT_ID" val="_8**"/>
-  <p:tag name="KSO_WM_UNIT_LAYERLEVEL" val="1"/>
-  <p:tag name="KSO_WM_TAG_VERSION" val="1.0"/>
-  <p:tag name="KSO_WM_BEAUTIFY_FLAG" val="#wm#"/>
-</p:tagLst>
-</file>
-
-<file path=ppt/tags/tag540.xml><?xml version="1.0" encoding="utf-8"?>
+<file path=ppt/tags/tag539.xml><?xml version="1.0" encoding="utf-8"?>
 <p:tagLst xmlns:p="http://schemas.openxmlformats.org/presentationml/2006/main">
   <p:tag name="KSO_WM_UNIT_HIGHLIGHT" val="0"/>
   <p:tag name="KSO_WM_UNIT_COMPATIBLE" val="0"/>
@@ -48834,7 +48791,20 @@
 </p:tagLst>
 </file>
 
-<file path=ppt/tags/tag541.xml><?xml version="1.0" encoding="utf-8"?>
+<file path=ppt/tags/tag54.xml><?xml version="1.0" encoding="utf-8"?>
+<p:tagLst xmlns:p="http://schemas.openxmlformats.org/presentationml/2006/main">
+  <p:tag name="KSO_WM_UNIT_HIGHLIGHT" val="0"/>
+  <p:tag name="KSO_WM_UNIT_COMPATIBLE" val="0"/>
+  <p:tag name="KSO_WM_UNIT_DIAGRAM_ISNUMVISUAL" val="0"/>
+  <p:tag name="KSO_WM_UNIT_DIAGRAM_ISREFERUNIT" val="0"/>
+  <p:tag name="KSO_WM_UNIT_ID" val="_8**"/>
+  <p:tag name="KSO_WM_UNIT_LAYERLEVEL" val="1"/>
+  <p:tag name="KSO_WM_TAG_VERSION" val="1.0"/>
+  <p:tag name="KSO_WM_BEAUTIFY_FLAG" val="#wm#"/>
+</p:tagLst>
+</file>
+
+<file path=ppt/tags/tag540.xml><?xml version="1.0" encoding="utf-8"?>
 <p:tagLst xmlns:p="http://schemas.openxmlformats.org/presentationml/2006/main">
   <p:tag name="KSO_WM_UNIT_PRESET_TEXT" val="点击此处添加正文，文字是您思想的提炼，为了演示发布的良好效果，请言简意赅的阐述您的观点。&#13;您的正文已经经简明扼要，字字珠玑，但信息却千丝万缕、错综复杂，需要用更多的文字来表述；但请您尽可能提炼思想的精髓，否则容易造成观者的阅读压力，适得其反。&#13;正如我们都希望改变世界，希望给别人带去光明，但更多时候我们只需要播下一颗种子，自然有微风吹拂，雨露滋养。恰如其分的表达观点，往往事半功倍。"/>
   <p:tag name="KSO_WM_UNIT_NOCLEAR" val="0"/>
@@ -48858,7 +48828,7 @@
 </p:tagLst>
 </file>
 
-<file path=ppt/tags/tag542.xml><?xml version="1.0" encoding="utf-8"?>
+<file path=ppt/tags/tag541.xml><?xml version="1.0" encoding="utf-8"?>
 <p:tagLst xmlns:p="http://schemas.openxmlformats.org/presentationml/2006/main">
   <p:tag name="KSO_WM_UNIT_ISCONTENTSTITLE" val="0"/>
   <p:tag name="KSO_WM_UNIT_PRESET_TEXT" val="单击此处添加标题"/>
@@ -48883,7 +48853,7 @@
 </p:tagLst>
 </file>
 
-<file path=ppt/tags/tag543.xml><?xml version="1.0" encoding="utf-8"?>
+<file path=ppt/tags/tag542.xml><?xml version="1.0" encoding="utf-8"?>
 <p:tagLst xmlns:p="http://schemas.openxmlformats.org/presentationml/2006/main">
   <p:tag name="KSO_WM_UNIT_HIGHLIGHT" val="0"/>
   <p:tag name="KSO_WM_UNIT_COMPATIBLE" val="0"/>
@@ -48904,7 +48874,7 @@
 </p:tagLst>
 </file>
 
-<file path=ppt/tags/tag544.xml><?xml version="1.0" encoding="utf-8"?>
+<file path=ppt/tags/tag543.xml><?xml version="1.0" encoding="utf-8"?>
 <p:tagLst xmlns:p="http://schemas.openxmlformats.org/presentationml/2006/main">
   <p:tag name="KSO_WM_BEAUTIFY_FLAG" val="#wm#"/>
   <p:tag name="KSO_WM_TEMPLATE_CATEGORY" val="diagram"/>

--- a/web/src/main/resources/Java内存优化分享.pptx
+++ b/web/src/main/resources/Java内存优化分享.pptx
@@ -31316,7 +31316,7 @@
                 <a:ea typeface="微软雅黑" panose="020B0503020204020204" charset="-122"/>
                 <a:cs typeface="微软雅黑" panose="020B0503020204020204" charset="-122"/>
               </a:rPr>
-              <a:t>内存优化不的思想和策略适用于所有编程语言，不仅仅是</a:t>
+              <a:t>内存优化的思想和策略适用于所有编程语言，不仅仅是</a:t>
             </a:r>
             <a:r>
               <a:rPr lang="en-US" altLang="zh-CN" sz="1500" dirty="0">
